--- a/LTspice基础使用分享.pptx
+++ b/LTspice基础使用分享.pptx
@@ -10684,7 +10684,7 @@
                 <a:latin typeface="微软雅黑" panose="020B0503020204020204" pitchFamily="34" charset="-122"/>
                 <a:ea typeface="微软雅黑" panose="020B0503020204020204" pitchFamily="34" charset="-122"/>
               </a:rPr>
-              <a:t>Ltspice</a:t>
+              <a:t>LTspice</a:t>
             </a:r>
             <a:r>
               <a:rPr lang="zh-CN" altLang="en-US" sz="8800" dirty="0">
@@ -11885,7 +11885,7 @@
         <p:spPr>
           <a:xfrm>
             <a:off x="0" y="171070"/>
-            <a:ext cx="3909270" cy="769441"/>
+            <a:ext cx="8649050" cy="769441"/>
           </a:xfrm>
           <a:prstGeom prst="rect">
             <a:avLst/>
@@ -11923,7 +11923,7 @@
                 <a:ea typeface="黑体" panose="02010609060101010101" pitchFamily="49" charset="-122"/>
                 <a:sym typeface="+mn-ea"/>
               </a:rPr>
-              <a:t>-</a:t>
+              <a:t>-BVBI</a:t>
             </a:r>
             <a:r>
               <a:rPr lang="zh-CN" altLang="en-US" sz="4400" dirty="0">
@@ -11934,7 +11934,7 @@
                 <a:ea typeface="黑体" panose="02010609060101010101" pitchFamily="49" charset="-122"/>
                 <a:sym typeface="+mn-ea"/>
               </a:rPr>
-              <a:t>指数波</a:t>
+              <a:t>行为电压源电流源</a:t>
             </a:r>
             <a:endParaRPr lang="zh-CN" altLang="en-US" sz="4400" dirty="0">
               <a:solidFill>
@@ -11948,6 +11948,36 @@
           </a:p>
         </p:txBody>
       </p:sp>
+      <p:pic>
+        <p:nvPicPr>
+          <p:cNvPr id="2" name="图片 1">
+            <a:extLst>
+              <a:ext uri="{FF2B5EF4-FFF2-40B4-BE49-F238E27FC236}">
+                <a16:creationId xmlns:a16="http://schemas.microsoft.com/office/drawing/2014/main" id="{53BBE11E-D3B9-A598-85D6-2BBB0E863EE4}"/>
+              </a:ext>
+            </a:extLst>
+          </p:cNvPr>
+          <p:cNvPicPr>
+            <a:picLocks noChangeAspect="1"/>
+          </p:cNvPicPr>
+          <p:nvPr/>
+        </p:nvPicPr>
+        <p:blipFill>
+          <a:blip r:embed="rId2"/>
+          <a:stretch>
+            <a:fillRect/>
+          </a:stretch>
+        </p:blipFill>
+        <p:spPr>
+          <a:xfrm>
+            <a:off x="0" y="1086718"/>
+            <a:ext cx="9144000" cy="4684564"/>
+          </a:xfrm>
+          <a:prstGeom prst="rect">
+            <a:avLst/>
+          </a:prstGeom>
+        </p:spPr>
+      </p:pic>
     </p:spTree>
     <p:extLst>
       <p:ext uri="{BB962C8B-B14F-4D97-AF65-F5344CB8AC3E}">

--- a/LTspice基础使用分享.pptx
+++ b/LTspice基础使用分享.pptx
@@ -16,6 +16,10 @@
     <p:sldId id="300" r:id="rId10"/>
     <p:sldId id="298" r:id="rId11"/>
     <p:sldId id="295" r:id="rId12"/>
+    <p:sldId id="301" r:id="rId13"/>
+    <p:sldId id="302" r:id="rId14"/>
+    <p:sldId id="303" r:id="rId15"/>
+    <p:sldId id="304" r:id="rId16"/>
   </p:sldIdLst>
   <p:sldSz cx="9144000" cy="6858000" type="screen4x3"/>
   <p:notesSz cx="6858000" cy="9144000"/>
@@ -263,7 +267,7 @@
           <a:p>
             <a:fld id="{D997B5FA-0921-464F-AAE1-844C04324D75}" type="datetimeFigureOut">
               <a:rPr lang="zh-CN" altLang="en-US" smtClean="0"/>
-              <a:t>2024/1/28</a:t>
+              <a:t>2024/1/29</a:t>
             </a:fld>
             <a:endParaRPr lang="zh-CN" altLang="en-US"/>
           </a:p>
@@ -426,7 +430,7 @@
           <a:p>
             <a:fld id="{D997B5FA-0921-464F-AAE1-844C04324D75}" type="datetimeFigureOut">
               <a:rPr lang="zh-CN" altLang="en-US" smtClean="0"/>
-              <a:t>2024/1/28</a:t>
+              <a:t>2024/1/29</a:t>
             </a:fld>
             <a:endParaRPr lang="zh-CN" altLang="en-US"/>
           </a:p>
@@ -599,7 +603,7 @@
           <a:p>
             <a:fld id="{D997B5FA-0921-464F-AAE1-844C04324D75}" type="datetimeFigureOut">
               <a:rPr lang="zh-CN" altLang="en-US" smtClean="0"/>
-              <a:t>2024/1/28</a:t>
+              <a:t>2024/1/29</a:t>
             </a:fld>
             <a:endParaRPr lang="zh-CN" altLang="en-US"/>
           </a:p>
@@ -2954,7 +2958,7 @@
           <a:p>
             <a:fld id="{D997B5FA-0921-464F-AAE1-844C04324D75}" type="datetimeFigureOut">
               <a:rPr lang="zh-CN" altLang="en-US" smtClean="0"/>
-              <a:t>2024/1/28</a:t>
+              <a:t>2024/1/29</a:t>
             </a:fld>
             <a:endParaRPr lang="zh-CN" altLang="en-US"/>
           </a:p>
@@ -5852,7 +5856,7 @@
           <a:p>
             <a:fld id="{D997B5FA-0921-464F-AAE1-844C04324D75}" type="datetimeFigureOut">
               <a:rPr lang="zh-CN" altLang="en-US" smtClean="0"/>
-              <a:t>2024/1/28</a:t>
+              <a:t>2024/1/29</a:t>
             </a:fld>
             <a:endParaRPr lang="zh-CN" altLang="en-US"/>
           </a:p>
@@ -7206,7 +7210,7 @@
           <a:p>
             <a:fld id="{D997B5FA-0921-464F-AAE1-844C04324D75}" type="datetimeFigureOut">
               <a:rPr lang="zh-CN" altLang="en-US" smtClean="0"/>
-              <a:t>2024/1/28</a:t>
+              <a:t>2024/1/29</a:t>
             </a:fld>
             <a:endParaRPr lang="zh-CN" altLang="en-US"/>
           </a:p>
@@ -7565,7 +7569,7 @@
           <a:p>
             <a:fld id="{D997B5FA-0921-464F-AAE1-844C04324D75}" type="datetimeFigureOut">
               <a:rPr lang="zh-CN" altLang="en-US" smtClean="0"/>
-              <a:t>2024/1/28</a:t>
+              <a:t>2024/1/29</a:t>
             </a:fld>
             <a:endParaRPr lang="zh-CN" altLang="en-US"/>
           </a:p>
@@ -7677,7 +7681,7 @@
           <a:p>
             <a:fld id="{D997B5FA-0921-464F-AAE1-844C04324D75}" type="datetimeFigureOut">
               <a:rPr lang="zh-CN" altLang="en-US" smtClean="0"/>
-              <a:t>2024/1/28</a:t>
+              <a:t>2024/1/29</a:t>
             </a:fld>
             <a:endParaRPr lang="zh-CN" altLang="en-US"/>
           </a:p>
@@ -7767,7 +7771,7 @@
           <a:p>
             <a:fld id="{D997B5FA-0921-464F-AAE1-844C04324D75}" type="datetimeFigureOut">
               <a:rPr lang="zh-CN" altLang="en-US" smtClean="0"/>
-              <a:t>2024/1/28</a:t>
+              <a:t>2024/1/29</a:t>
             </a:fld>
             <a:endParaRPr lang="zh-CN" altLang="en-US"/>
           </a:p>
@@ -8037,7 +8041,7 @@
           <a:p>
             <a:fld id="{D997B5FA-0921-464F-AAE1-844C04324D75}" type="datetimeFigureOut">
               <a:rPr lang="zh-CN" altLang="en-US" smtClean="0"/>
-              <a:t>2024/1/28</a:t>
+              <a:t>2024/1/29</a:t>
             </a:fld>
             <a:endParaRPr lang="zh-CN" altLang="en-US"/>
           </a:p>
@@ -8284,7 +8288,7 @@
           <a:p>
             <a:fld id="{D997B5FA-0921-464F-AAE1-844C04324D75}" type="datetimeFigureOut">
               <a:rPr lang="zh-CN" altLang="en-US" smtClean="0"/>
-              <a:t>2024/1/28</a:t>
+              <a:t>2024/1/29</a:t>
             </a:fld>
             <a:endParaRPr lang="zh-CN" altLang="en-US"/>
           </a:p>
@@ -8490,7 +8494,7 @@
           <a:p>
             <a:fld id="{D997B5FA-0921-464F-AAE1-844C04324D75}" type="datetimeFigureOut">
               <a:rPr lang="zh-CN" altLang="en-US" smtClean="0"/>
-              <a:t>2024/1/28</a:t>
+              <a:t>2024/1/29</a:t>
             </a:fld>
             <a:endParaRPr lang="zh-CN" altLang="en-US"/>
           </a:p>
@@ -10759,6 +10763,834 @@
         </p:txBody>
       </p:sp>
     </p:spTree>
+  </p:cSld>
+  <p:clrMapOvr>
+    <a:masterClrMapping/>
+  </p:clrMapOvr>
+</p:sld>
+</file>
+
+<file path=ppt/slides/slide10.xml><?xml version="1.0" encoding="utf-8"?>
+<p:sld xmlns:a="http://schemas.openxmlformats.org/drawingml/2006/main" xmlns:r="http://schemas.openxmlformats.org/officeDocument/2006/relationships" xmlns:p="http://schemas.openxmlformats.org/presentationml/2006/main">
+  <p:cSld>
+    <p:spTree>
+      <p:nvGrpSpPr>
+        <p:cNvPr id="1" name=""/>
+        <p:cNvGrpSpPr/>
+        <p:nvPr/>
+      </p:nvGrpSpPr>
+      <p:grpSpPr>
+        <a:xfrm>
+          <a:off x="0" y="0"/>
+          <a:ext cx="0" cy="0"/>
+          <a:chOff x="0" y="0"/>
+          <a:chExt cx="0" cy="0"/>
+        </a:xfrm>
+      </p:grpSpPr>
+      <p:cxnSp>
+        <p:nvCxnSpPr>
+          <p:cNvPr id="3" name="直接连接符 2"/>
+          <p:cNvCxnSpPr/>
+          <p:nvPr/>
+        </p:nvCxnSpPr>
+        <p:spPr>
+          <a:xfrm>
+            <a:off x="0" y="1002073"/>
+            <a:ext cx="9144000" cy="0"/>
+          </a:xfrm>
+          <a:prstGeom prst="line">
+            <a:avLst/>
+          </a:prstGeom>
+        </p:spPr>
+        <p:style>
+          <a:lnRef idx="2">
+            <a:schemeClr val="accent2"/>
+          </a:lnRef>
+          <a:fillRef idx="0">
+            <a:schemeClr val="accent2"/>
+          </a:fillRef>
+          <a:effectRef idx="1">
+            <a:schemeClr val="accent2"/>
+          </a:effectRef>
+          <a:fontRef idx="minor">
+            <a:schemeClr val="tx1"/>
+          </a:fontRef>
+        </p:style>
+      </p:cxnSp>
+      <p:sp>
+        <p:nvSpPr>
+          <p:cNvPr id="2" name="文本框 1"/>
+          <p:cNvSpPr txBox="1"/>
+          <p:nvPr/>
+        </p:nvSpPr>
+        <p:spPr>
+          <a:xfrm>
+            <a:off x="239775" y="162681"/>
+            <a:ext cx="2947308" cy="769441"/>
+          </a:xfrm>
+          <a:prstGeom prst="rect">
+            <a:avLst/>
+          </a:prstGeom>
+          <a:noFill/>
+        </p:spPr>
+        <p:txBody>
+          <a:bodyPr wrap="square" rtlCol="0" anchor="t">
+            <a:spAutoFit/>
+          </a:bodyPr>
+          <a:lstStyle/>
+          <a:p>
+            <a:pPr marR="0" defTabSz="914400">
+              <a:buClrTx/>
+              <a:buSzTx/>
+              <a:defRPr/>
+            </a:pPr>
+            <a:r>
+              <a:rPr lang="en-US" altLang="zh-CN" sz="4400" dirty="0" err="1">
+                <a:solidFill>
+                  <a:srgbClr val="002E84"/>
+                </a:solidFill>
+                <a:effectLst/>
+                <a:latin typeface="黑体" panose="02010609060101010101" pitchFamily="49" charset="-122"/>
+                <a:ea typeface="黑体" panose="02010609060101010101" pitchFamily="49" charset="-122"/>
+                <a:sym typeface="+mn-ea"/>
+              </a:rPr>
+              <a:t>muRata</a:t>
+            </a:r>
+            <a:endParaRPr lang="zh-CN" altLang="en-US" sz="4400" dirty="0">
+              <a:solidFill>
+                <a:srgbClr val="002E84"/>
+              </a:solidFill>
+              <a:effectLst/>
+              <a:latin typeface="黑体" panose="02010609060101010101" pitchFamily="49" charset="-122"/>
+              <a:ea typeface="黑体" panose="02010609060101010101" pitchFamily="49" charset="-122"/>
+              <a:sym typeface="+mn-ea"/>
+            </a:endParaRPr>
+          </a:p>
+        </p:txBody>
+      </p:sp>
+      <p:sp>
+        <p:nvSpPr>
+          <p:cNvPr id="21" name="矩形 20">
+            <a:extLst>
+              <a:ext uri="{FF2B5EF4-FFF2-40B4-BE49-F238E27FC236}">
+                <a16:creationId xmlns:a16="http://schemas.microsoft.com/office/drawing/2014/main" id="{50FC9B00-B162-4CBB-8260-88DC25AD9A1E}"/>
+              </a:ext>
+            </a:extLst>
+          </p:cNvPr>
+          <p:cNvSpPr/>
+          <p:nvPr/>
+        </p:nvSpPr>
+        <p:spPr>
+          <a:xfrm>
+            <a:off x="7362938" y="6537288"/>
+            <a:ext cx="1781062" cy="369332"/>
+          </a:xfrm>
+          <a:prstGeom prst="rect">
+            <a:avLst/>
+          </a:prstGeom>
+        </p:spPr>
+        <p:txBody>
+          <a:bodyPr wrap="square">
+            <a:spAutoFit/>
+          </a:bodyPr>
+          <a:lstStyle/>
+          <a:p>
+            <a:pPr lvl="0" indent="0" algn="r"/>
+            <a:r>
+              <a:rPr lang="en-US" altLang="zh-CN" dirty="0"/>
+              <a:t>2</a:t>
+            </a:r>
+            <a:endParaRPr lang="zh-CN" altLang="zh-CN" dirty="0"/>
+          </a:p>
+        </p:txBody>
+      </p:sp>
+      <p:pic>
+        <p:nvPicPr>
+          <p:cNvPr id="5" name="图片 4">
+            <a:extLst>
+              <a:ext uri="{FF2B5EF4-FFF2-40B4-BE49-F238E27FC236}">
+                <a16:creationId xmlns:a16="http://schemas.microsoft.com/office/drawing/2014/main" id="{464DF933-1289-BC63-A22F-48866CEB35B6}"/>
+              </a:ext>
+            </a:extLst>
+          </p:cNvPr>
+          <p:cNvPicPr>
+            <a:picLocks noChangeAspect="1"/>
+          </p:cNvPicPr>
+          <p:nvPr/>
+        </p:nvPicPr>
+        <p:blipFill>
+          <a:blip r:embed="rId2"/>
+          <a:stretch>
+            <a:fillRect/>
+          </a:stretch>
+        </p:blipFill>
+        <p:spPr>
+          <a:xfrm>
+            <a:off x="2275491" y="1134434"/>
+            <a:ext cx="4360200" cy="2357623"/>
+          </a:xfrm>
+          <a:prstGeom prst="rect">
+            <a:avLst/>
+          </a:prstGeom>
+        </p:spPr>
+      </p:pic>
+      <p:pic>
+        <p:nvPicPr>
+          <p:cNvPr id="6" name="图片 5">
+            <a:extLst>
+              <a:ext uri="{FF2B5EF4-FFF2-40B4-BE49-F238E27FC236}">
+                <a16:creationId xmlns:a16="http://schemas.microsoft.com/office/drawing/2014/main" id="{B1BE498D-0110-E3A1-EE24-9F6E5B20C00A}"/>
+              </a:ext>
+            </a:extLst>
+          </p:cNvPr>
+          <p:cNvPicPr>
+            <a:picLocks noChangeAspect="1"/>
+          </p:cNvPicPr>
+          <p:nvPr/>
+        </p:nvPicPr>
+        <p:blipFill>
+          <a:blip r:embed="rId3"/>
+          <a:stretch>
+            <a:fillRect/>
+          </a:stretch>
+        </p:blipFill>
+        <p:spPr>
+          <a:xfrm>
+            <a:off x="0" y="3562590"/>
+            <a:ext cx="9144000" cy="2710045"/>
+          </a:xfrm>
+          <a:prstGeom prst="rect">
+            <a:avLst/>
+          </a:prstGeom>
+        </p:spPr>
+      </p:pic>
+    </p:spTree>
+    <p:extLst>
+      <p:ext uri="{BB962C8B-B14F-4D97-AF65-F5344CB8AC3E}">
+        <p14:creationId xmlns:p14="http://schemas.microsoft.com/office/powerpoint/2010/main" val="3102462984"/>
+      </p:ext>
+    </p:extLst>
+  </p:cSld>
+  <p:clrMapOvr>
+    <a:masterClrMapping/>
+  </p:clrMapOvr>
+</p:sld>
+</file>
+
+<file path=ppt/slides/slide11.xml><?xml version="1.0" encoding="utf-8"?>
+<p:sld xmlns:a="http://schemas.openxmlformats.org/drawingml/2006/main" xmlns:r="http://schemas.openxmlformats.org/officeDocument/2006/relationships" xmlns:p="http://schemas.openxmlformats.org/presentationml/2006/main">
+  <p:cSld>
+    <p:spTree>
+      <p:nvGrpSpPr>
+        <p:cNvPr id="1" name=""/>
+        <p:cNvGrpSpPr/>
+        <p:nvPr/>
+      </p:nvGrpSpPr>
+      <p:grpSpPr>
+        <a:xfrm>
+          <a:off x="0" y="0"/>
+          <a:ext cx="0" cy="0"/>
+          <a:chOff x="0" y="0"/>
+          <a:chExt cx="0" cy="0"/>
+        </a:xfrm>
+      </p:grpSpPr>
+      <p:cxnSp>
+        <p:nvCxnSpPr>
+          <p:cNvPr id="3" name="直接连接符 2"/>
+          <p:cNvCxnSpPr/>
+          <p:nvPr/>
+        </p:nvCxnSpPr>
+        <p:spPr>
+          <a:xfrm>
+            <a:off x="0" y="1002073"/>
+            <a:ext cx="9144000" cy="0"/>
+          </a:xfrm>
+          <a:prstGeom prst="line">
+            <a:avLst/>
+          </a:prstGeom>
+        </p:spPr>
+        <p:style>
+          <a:lnRef idx="2">
+            <a:schemeClr val="accent2"/>
+          </a:lnRef>
+          <a:fillRef idx="0">
+            <a:schemeClr val="accent2"/>
+          </a:fillRef>
+          <a:effectRef idx="1">
+            <a:schemeClr val="accent2"/>
+          </a:effectRef>
+          <a:fontRef idx="minor">
+            <a:schemeClr val="tx1"/>
+          </a:fontRef>
+        </p:style>
+      </p:cxnSp>
+      <p:sp>
+        <p:nvSpPr>
+          <p:cNvPr id="2" name="文本框 1"/>
+          <p:cNvSpPr txBox="1"/>
+          <p:nvPr/>
+        </p:nvSpPr>
+        <p:spPr>
+          <a:xfrm>
+            <a:off x="239775" y="162681"/>
+            <a:ext cx="2947308" cy="769441"/>
+          </a:xfrm>
+          <a:prstGeom prst="rect">
+            <a:avLst/>
+          </a:prstGeom>
+          <a:noFill/>
+        </p:spPr>
+        <p:txBody>
+          <a:bodyPr wrap="square" rtlCol="0" anchor="t">
+            <a:spAutoFit/>
+          </a:bodyPr>
+          <a:lstStyle/>
+          <a:p>
+            <a:pPr marR="0" defTabSz="914400">
+              <a:buClrTx/>
+              <a:buSzTx/>
+              <a:defRPr/>
+            </a:pPr>
+            <a:r>
+              <a:rPr lang="en-US" altLang="zh-CN" sz="4400" dirty="0" err="1">
+                <a:solidFill>
+                  <a:srgbClr val="002E84"/>
+                </a:solidFill>
+                <a:effectLst/>
+                <a:latin typeface="黑体" panose="02010609060101010101" pitchFamily="49" charset="-122"/>
+                <a:ea typeface="黑体" panose="02010609060101010101" pitchFamily="49" charset="-122"/>
+                <a:sym typeface="+mn-ea"/>
+              </a:rPr>
+              <a:t>muRata</a:t>
+            </a:r>
+            <a:endParaRPr lang="zh-CN" altLang="en-US" sz="4400" dirty="0">
+              <a:solidFill>
+                <a:srgbClr val="002E84"/>
+              </a:solidFill>
+              <a:effectLst/>
+              <a:latin typeface="黑体" panose="02010609060101010101" pitchFamily="49" charset="-122"/>
+              <a:ea typeface="黑体" panose="02010609060101010101" pitchFamily="49" charset="-122"/>
+              <a:sym typeface="+mn-ea"/>
+            </a:endParaRPr>
+          </a:p>
+        </p:txBody>
+      </p:sp>
+      <p:sp>
+        <p:nvSpPr>
+          <p:cNvPr id="21" name="矩形 20">
+            <a:extLst>
+              <a:ext uri="{FF2B5EF4-FFF2-40B4-BE49-F238E27FC236}">
+                <a16:creationId xmlns:a16="http://schemas.microsoft.com/office/drawing/2014/main" id="{50FC9B00-B162-4CBB-8260-88DC25AD9A1E}"/>
+              </a:ext>
+            </a:extLst>
+          </p:cNvPr>
+          <p:cNvSpPr/>
+          <p:nvPr/>
+        </p:nvSpPr>
+        <p:spPr>
+          <a:xfrm>
+            <a:off x="7362938" y="6537288"/>
+            <a:ext cx="1781062" cy="369332"/>
+          </a:xfrm>
+          <a:prstGeom prst="rect">
+            <a:avLst/>
+          </a:prstGeom>
+        </p:spPr>
+        <p:txBody>
+          <a:bodyPr wrap="square">
+            <a:spAutoFit/>
+          </a:bodyPr>
+          <a:lstStyle/>
+          <a:p>
+            <a:pPr lvl="0" indent="0" algn="r"/>
+            <a:r>
+              <a:rPr lang="en-US" altLang="zh-CN" dirty="0"/>
+              <a:t>2</a:t>
+            </a:r>
+            <a:endParaRPr lang="zh-CN" altLang="zh-CN" dirty="0"/>
+          </a:p>
+        </p:txBody>
+      </p:sp>
+      <p:pic>
+        <p:nvPicPr>
+          <p:cNvPr id="8" name="图片 7">
+            <a:extLst>
+              <a:ext uri="{FF2B5EF4-FFF2-40B4-BE49-F238E27FC236}">
+                <a16:creationId xmlns:a16="http://schemas.microsoft.com/office/drawing/2014/main" id="{68030DBB-76D6-42A9-A676-E7B605446C0A}"/>
+              </a:ext>
+            </a:extLst>
+          </p:cNvPr>
+          <p:cNvPicPr>
+            <a:picLocks noChangeAspect="1"/>
+          </p:cNvPicPr>
+          <p:nvPr/>
+        </p:nvPicPr>
+        <p:blipFill>
+          <a:blip r:embed="rId2"/>
+          <a:stretch>
+            <a:fillRect/>
+          </a:stretch>
+        </p:blipFill>
+        <p:spPr>
+          <a:xfrm>
+            <a:off x="989901" y="1089715"/>
+            <a:ext cx="6660837" cy="5768285"/>
+          </a:xfrm>
+          <a:prstGeom prst="rect">
+            <a:avLst/>
+          </a:prstGeom>
+        </p:spPr>
+      </p:pic>
+    </p:spTree>
+    <p:extLst>
+      <p:ext uri="{BB962C8B-B14F-4D97-AF65-F5344CB8AC3E}">
+        <p14:creationId xmlns:p14="http://schemas.microsoft.com/office/powerpoint/2010/main" val="2626999745"/>
+      </p:ext>
+    </p:extLst>
+  </p:cSld>
+  <p:clrMapOvr>
+    <a:masterClrMapping/>
+  </p:clrMapOvr>
+</p:sld>
+</file>
+
+<file path=ppt/slides/slide12.xml><?xml version="1.0" encoding="utf-8"?>
+<p:sld xmlns:a="http://schemas.openxmlformats.org/drawingml/2006/main" xmlns:r="http://schemas.openxmlformats.org/officeDocument/2006/relationships" xmlns:p="http://schemas.openxmlformats.org/presentationml/2006/main">
+  <p:cSld>
+    <p:spTree>
+      <p:nvGrpSpPr>
+        <p:cNvPr id="1" name=""/>
+        <p:cNvGrpSpPr/>
+        <p:nvPr/>
+      </p:nvGrpSpPr>
+      <p:grpSpPr>
+        <a:xfrm>
+          <a:off x="0" y="0"/>
+          <a:ext cx="0" cy="0"/>
+          <a:chOff x="0" y="0"/>
+          <a:chExt cx="0" cy="0"/>
+        </a:xfrm>
+      </p:grpSpPr>
+      <p:cxnSp>
+        <p:nvCxnSpPr>
+          <p:cNvPr id="3" name="直接连接符 2"/>
+          <p:cNvCxnSpPr/>
+          <p:nvPr/>
+        </p:nvCxnSpPr>
+        <p:spPr>
+          <a:xfrm>
+            <a:off x="0" y="1002073"/>
+            <a:ext cx="9144000" cy="0"/>
+          </a:xfrm>
+          <a:prstGeom prst="line">
+            <a:avLst/>
+          </a:prstGeom>
+        </p:spPr>
+        <p:style>
+          <a:lnRef idx="2">
+            <a:schemeClr val="accent2"/>
+          </a:lnRef>
+          <a:fillRef idx="0">
+            <a:schemeClr val="accent2"/>
+          </a:fillRef>
+          <a:effectRef idx="1">
+            <a:schemeClr val="accent2"/>
+          </a:effectRef>
+          <a:fontRef idx="minor">
+            <a:schemeClr val="tx1"/>
+          </a:fontRef>
+        </p:style>
+      </p:cxnSp>
+      <p:sp>
+        <p:nvSpPr>
+          <p:cNvPr id="2" name="文本框 1"/>
+          <p:cNvSpPr txBox="1"/>
+          <p:nvPr/>
+        </p:nvSpPr>
+        <p:spPr>
+          <a:xfrm>
+            <a:off x="239775" y="162681"/>
+            <a:ext cx="2947308" cy="769441"/>
+          </a:xfrm>
+          <a:prstGeom prst="rect">
+            <a:avLst/>
+          </a:prstGeom>
+          <a:noFill/>
+        </p:spPr>
+        <p:txBody>
+          <a:bodyPr wrap="square" rtlCol="0" anchor="t">
+            <a:spAutoFit/>
+          </a:bodyPr>
+          <a:lstStyle/>
+          <a:p>
+            <a:pPr marR="0" defTabSz="914400">
+              <a:buClrTx/>
+              <a:buSzTx/>
+              <a:defRPr/>
+            </a:pPr>
+            <a:r>
+              <a:rPr lang="en-US" altLang="zh-CN" sz="4400" dirty="0" err="1">
+                <a:solidFill>
+                  <a:srgbClr val="002E84"/>
+                </a:solidFill>
+                <a:effectLst/>
+                <a:latin typeface="黑体" panose="02010609060101010101" pitchFamily="49" charset="-122"/>
+                <a:ea typeface="黑体" panose="02010609060101010101" pitchFamily="49" charset="-122"/>
+                <a:sym typeface="+mn-ea"/>
+              </a:rPr>
+              <a:t>muRata</a:t>
+            </a:r>
+            <a:endParaRPr lang="zh-CN" altLang="en-US" sz="4400" dirty="0">
+              <a:solidFill>
+                <a:srgbClr val="002E84"/>
+              </a:solidFill>
+              <a:effectLst/>
+              <a:latin typeface="黑体" panose="02010609060101010101" pitchFamily="49" charset="-122"/>
+              <a:ea typeface="黑体" panose="02010609060101010101" pitchFamily="49" charset="-122"/>
+              <a:sym typeface="+mn-ea"/>
+            </a:endParaRPr>
+          </a:p>
+        </p:txBody>
+      </p:sp>
+      <p:sp>
+        <p:nvSpPr>
+          <p:cNvPr id="21" name="矩形 20">
+            <a:extLst>
+              <a:ext uri="{FF2B5EF4-FFF2-40B4-BE49-F238E27FC236}">
+                <a16:creationId xmlns:a16="http://schemas.microsoft.com/office/drawing/2014/main" id="{50FC9B00-B162-4CBB-8260-88DC25AD9A1E}"/>
+              </a:ext>
+            </a:extLst>
+          </p:cNvPr>
+          <p:cNvSpPr/>
+          <p:nvPr/>
+        </p:nvSpPr>
+        <p:spPr>
+          <a:xfrm>
+            <a:off x="7362938" y="6537288"/>
+            <a:ext cx="1781062" cy="369332"/>
+          </a:xfrm>
+          <a:prstGeom prst="rect">
+            <a:avLst/>
+          </a:prstGeom>
+        </p:spPr>
+        <p:txBody>
+          <a:bodyPr wrap="square">
+            <a:spAutoFit/>
+          </a:bodyPr>
+          <a:lstStyle/>
+          <a:p>
+            <a:pPr lvl="0" indent="0" algn="r"/>
+            <a:r>
+              <a:rPr lang="en-US" altLang="zh-CN" dirty="0"/>
+              <a:t>2</a:t>
+            </a:r>
+            <a:endParaRPr lang="zh-CN" altLang="zh-CN" dirty="0"/>
+          </a:p>
+        </p:txBody>
+      </p:sp>
+      <p:pic>
+        <p:nvPicPr>
+          <p:cNvPr id="9" name="图片 8">
+            <a:extLst>
+              <a:ext uri="{FF2B5EF4-FFF2-40B4-BE49-F238E27FC236}">
+                <a16:creationId xmlns:a16="http://schemas.microsoft.com/office/drawing/2014/main" id="{C50DDAAE-B2C8-3218-0C71-011581B0BCC5}"/>
+              </a:ext>
+            </a:extLst>
+          </p:cNvPr>
+          <p:cNvPicPr>
+            <a:picLocks noChangeAspect="1"/>
+          </p:cNvPicPr>
+          <p:nvPr/>
+        </p:nvPicPr>
+        <p:blipFill>
+          <a:blip r:embed="rId2"/>
+          <a:stretch>
+            <a:fillRect/>
+          </a:stretch>
+        </p:blipFill>
+        <p:spPr>
+          <a:xfrm>
+            <a:off x="50796" y="1189318"/>
+            <a:ext cx="4370664" cy="3244149"/>
+          </a:xfrm>
+          <a:prstGeom prst="rect">
+            <a:avLst/>
+          </a:prstGeom>
+        </p:spPr>
+      </p:pic>
+      <p:pic>
+        <p:nvPicPr>
+          <p:cNvPr id="10" name="图片 9">
+            <a:extLst>
+              <a:ext uri="{FF2B5EF4-FFF2-40B4-BE49-F238E27FC236}">
+                <a16:creationId xmlns:a16="http://schemas.microsoft.com/office/drawing/2014/main" id="{F63994C2-3A2F-6CAB-100D-98615C9035F9}"/>
+              </a:ext>
+            </a:extLst>
+          </p:cNvPr>
+          <p:cNvPicPr>
+            <a:picLocks noChangeAspect="1"/>
+          </p:cNvPicPr>
+          <p:nvPr/>
+        </p:nvPicPr>
+        <p:blipFill>
+          <a:blip r:embed="rId3"/>
+          <a:stretch>
+            <a:fillRect/>
+          </a:stretch>
+        </p:blipFill>
+        <p:spPr>
+          <a:xfrm>
+            <a:off x="50796" y="4987485"/>
+            <a:ext cx="5200000" cy="1190476"/>
+          </a:xfrm>
+          <a:prstGeom prst="rect">
+            <a:avLst/>
+          </a:prstGeom>
+        </p:spPr>
+      </p:pic>
+      <p:pic>
+        <p:nvPicPr>
+          <p:cNvPr id="11" name="图片 10">
+            <a:extLst>
+              <a:ext uri="{FF2B5EF4-FFF2-40B4-BE49-F238E27FC236}">
+                <a16:creationId xmlns:a16="http://schemas.microsoft.com/office/drawing/2014/main" id="{F16BAE95-AA9E-586E-E22D-22F5FC8CC62B}"/>
+              </a:ext>
+            </a:extLst>
+          </p:cNvPr>
+          <p:cNvPicPr>
+            <a:picLocks noChangeAspect="1"/>
+          </p:cNvPicPr>
+          <p:nvPr/>
+        </p:nvPicPr>
+        <p:blipFill>
+          <a:blip r:embed="rId4"/>
+          <a:stretch>
+            <a:fillRect/>
+          </a:stretch>
+        </p:blipFill>
+        <p:spPr>
+          <a:xfrm>
+            <a:off x="4789611" y="1314057"/>
+            <a:ext cx="4071844" cy="3184908"/>
+          </a:xfrm>
+          <a:prstGeom prst="rect">
+            <a:avLst/>
+          </a:prstGeom>
+        </p:spPr>
+      </p:pic>
+      <p:pic>
+        <p:nvPicPr>
+          <p:cNvPr id="12" name="图片 11">
+            <a:extLst>
+              <a:ext uri="{FF2B5EF4-FFF2-40B4-BE49-F238E27FC236}">
+                <a16:creationId xmlns:a16="http://schemas.microsoft.com/office/drawing/2014/main" id="{B524DFE6-6C17-95E4-FFBE-475C0C4D0EEC}"/>
+              </a:ext>
+            </a:extLst>
+          </p:cNvPr>
+          <p:cNvPicPr>
+            <a:picLocks noChangeAspect="1"/>
+          </p:cNvPicPr>
+          <p:nvPr/>
+        </p:nvPicPr>
+        <p:blipFill>
+          <a:blip r:embed="rId5"/>
+          <a:stretch>
+            <a:fillRect/>
+          </a:stretch>
+        </p:blipFill>
+        <p:spPr>
+          <a:xfrm>
+            <a:off x="4789611" y="4677027"/>
+            <a:ext cx="3904762" cy="1933333"/>
+          </a:xfrm>
+          <a:prstGeom prst="rect">
+            <a:avLst/>
+          </a:prstGeom>
+        </p:spPr>
+      </p:pic>
+    </p:spTree>
+    <p:extLst>
+      <p:ext uri="{BB962C8B-B14F-4D97-AF65-F5344CB8AC3E}">
+        <p14:creationId xmlns:p14="http://schemas.microsoft.com/office/powerpoint/2010/main" val="3101673625"/>
+      </p:ext>
+    </p:extLst>
+  </p:cSld>
+  <p:clrMapOvr>
+    <a:masterClrMapping/>
+  </p:clrMapOvr>
+</p:sld>
+</file>
+
+<file path=ppt/slides/slide13.xml><?xml version="1.0" encoding="utf-8"?>
+<p:sld xmlns:a="http://schemas.openxmlformats.org/drawingml/2006/main" xmlns:r="http://schemas.openxmlformats.org/officeDocument/2006/relationships" xmlns:p="http://schemas.openxmlformats.org/presentationml/2006/main">
+  <p:cSld>
+    <p:spTree>
+      <p:nvGrpSpPr>
+        <p:cNvPr id="1" name=""/>
+        <p:cNvGrpSpPr/>
+        <p:nvPr/>
+      </p:nvGrpSpPr>
+      <p:grpSpPr>
+        <a:xfrm>
+          <a:off x="0" y="0"/>
+          <a:ext cx="0" cy="0"/>
+          <a:chOff x="0" y="0"/>
+          <a:chExt cx="0" cy="0"/>
+        </a:xfrm>
+      </p:grpSpPr>
+      <p:cxnSp>
+        <p:nvCxnSpPr>
+          <p:cNvPr id="3" name="直接连接符 2"/>
+          <p:cNvCxnSpPr/>
+          <p:nvPr/>
+        </p:nvCxnSpPr>
+        <p:spPr>
+          <a:xfrm>
+            <a:off x="0" y="1002073"/>
+            <a:ext cx="9144000" cy="0"/>
+          </a:xfrm>
+          <a:prstGeom prst="line">
+            <a:avLst/>
+          </a:prstGeom>
+        </p:spPr>
+        <p:style>
+          <a:lnRef idx="2">
+            <a:schemeClr val="accent2"/>
+          </a:lnRef>
+          <a:fillRef idx="0">
+            <a:schemeClr val="accent2"/>
+          </a:fillRef>
+          <a:effectRef idx="1">
+            <a:schemeClr val="accent2"/>
+          </a:effectRef>
+          <a:fontRef idx="minor">
+            <a:schemeClr val="tx1"/>
+          </a:fontRef>
+        </p:style>
+      </p:cxnSp>
+      <p:sp>
+        <p:nvSpPr>
+          <p:cNvPr id="2" name="文本框 1"/>
+          <p:cNvSpPr txBox="1"/>
+          <p:nvPr/>
+        </p:nvSpPr>
+        <p:spPr>
+          <a:xfrm>
+            <a:off x="239775" y="162681"/>
+            <a:ext cx="2947308" cy="769441"/>
+          </a:xfrm>
+          <a:prstGeom prst="rect">
+            <a:avLst/>
+          </a:prstGeom>
+          <a:noFill/>
+        </p:spPr>
+        <p:txBody>
+          <a:bodyPr wrap="square" rtlCol="0" anchor="t">
+            <a:spAutoFit/>
+          </a:bodyPr>
+          <a:lstStyle/>
+          <a:p>
+            <a:pPr marR="0" defTabSz="914400">
+              <a:buClrTx/>
+              <a:buSzTx/>
+              <a:defRPr/>
+            </a:pPr>
+            <a:r>
+              <a:rPr lang="en-US" altLang="zh-CN" sz="4400" dirty="0" err="1">
+                <a:solidFill>
+                  <a:srgbClr val="002E84"/>
+                </a:solidFill>
+                <a:effectLst/>
+                <a:latin typeface="黑体" panose="02010609060101010101" pitchFamily="49" charset="-122"/>
+                <a:ea typeface="黑体" panose="02010609060101010101" pitchFamily="49" charset="-122"/>
+                <a:sym typeface="+mn-ea"/>
+              </a:rPr>
+              <a:t>muRata</a:t>
+            </a:r>
+            <a:endParaRPr lang="zh-CN" altLang="en-US" sz="4400" dirty="0">
+              <a:solidFill>
+                <a:srgbClr val="002E84"/>
+              </a:solidFill>
+              <a:effectLst/>
+              <a:latin typeface="黑体" panose="02010609060101010101" pitchFamily="49" charset="-122"/>
+              <a:ea typeface="黑体" panose="02010609060101010101" pitchFamily="49" charset="-122"/>
+              <a:sym typeface="+mn-ea"/>
+            </a:endParaRPr>
+          </a:p>
+        </p:txBody>
+      </p:sp>
+      <p:sp>
+        <p:nvSpPr>
+          <p:cNvPr id="21" name="矩形 20">
+            <a:extLst>
+              <a:ext uri="{FF2B5EF4-FFF2-40B4-BE49-F238E27FC236}">
+                <a16:creationId xmlns:a16="http://schemas.microsoft.com/office/drawing/2014/main" id="{50FC9B00-B162-4CBB-8260-88DC25AD9A1E}"/>
+              </a:ext>
+            </a:extLst>
+          </p:cNvPr>
+          <p:cNvSpPr/>
+          <p:nvPr/>
+        </p:nvSpPr>
+        <p:spPr>
+          <a:xfrm>
+            <a:off x="7362938" y="6537288"/>
+            <a:ext cx="1781062" cy="369332"/>
+          </a:xfrm>
+          <a:prstGeom prst="rect">
+            <a:avLst/>
+          </a:prstGeom>
+        </p:spPr>
+        <p:txBody>
+          <a:bodyPr wrap="square">
+            <a:spAutoFit/>
+          </a:bodyPr>
+          <a:lstStyle/>
+          <a:p>
+            <a:pPr lvl="0" indent="0" algn="r"/>
+            <a:r>
+              <a:rPr lang="en-US" altLang="zh-CN" dirty="0"/>
+              <a:t>2</a:t>
+            </a:r>
+            <a:endParaRPr lang="zh-CN" altLang="zh-CN" dirty="0"/>
+          </a:p>
+        </p:txBody>
+      </p:sp>
+      <p:pic>
+        <p:nvPicPr>
+          <p:cNvPr id="6" name="图片 5">
+            <a:extLst>
+              <a:ext uri="{FF2B5EF4-FFF2-40B4-BE49-F238E27FC236}">
+                <a16:creationId xmlns:a16="http://schemas.microsoft.com/office/drawing/2014/main" id="{FC4B5671-BF63-6D41-ED8B-D6932484B3DD}"/>
+              </a:ext>
+            </a:extLst>
+          </p:cNvPr>
+          <p:cNvPicPr>
+            <a:picLocks noChangeAspect="1"/>
+          </p:cNvPicPr>
+          <p:nvPr/>
+        </p:nvPicPr>
+        <p:blipFill>
+          <a:blip r:embed="rId2"/>
+          <a:stretch>
+            <a:fillRect/>
+          </a:stretch>
+        </p:blipFill>
+        <p:spPr>
+          <a:xfrm>
+            <a:off x="1713429" y="1251028"/>
+            <a:ext cx="5304762" cy="3819048"/>
+          </a:xfrm>
+          <a:prstGeom prst="rect">
+            <a:avLst/>
+          </a:prstGeom>
+        </p:spPr>
+      </p:pic>
+    </p:spTree>
+    <p:extLst>
+      <p:ext uri="{BB962C8B-B14F-4D97-AF65-F5344CB8AC3E}">
+        <p14:creationId xmlns:p14="http://schemas.microsoft.com/office/powerpoint/2010/main" val="3581355332"/>
+      </p:ext>
+    </p:extLst>
   </p:cSld>
   <p:clrMapOvr>
     <a:masterClrMapping/>
